--- a/data/notes/HackathonDataProgress_13-10-2021.pptx
+++ b/data/notes/HackathonDataProgress_13-10-2021.pptx
@@ -14738,7 +14738,7 @@
             </a:pPr>
             <a:r>
               <a:rPr lang="en-US"/>
-              <a:t>Simulated Data</a:t>
+              <a:t>OXA-48 Frequency in Dataset from CARD</a:t>
             </a:r>
             <a:endParaRPr/>
           </a:p>
@@ -14771,12 +14771,12 @@
           </a:bodyPr>
           <a:lstStyle/>
           <a:p>
-            <a:pPr indent="-228600" lvl="0" marL="228600" rtl="0" algn="l">
-              <a:lnSpc>
-                <a:spcPct val="90000"/>
-              </a:lnSpc>
-              <a:spcBef>
-                <a:spcPts val="0"/>
+            <a:pPr indent="0" lvl="0" marL="0" rtl="0" algn="l">
+              <a:lnSpc>
+                <a:spcPct val="90000"/>
+              </a:lnSpc>
+              <a:spcBef>
+                <a:spcPts val="1000"/>
               </a:spcBef>
               <a:spcAft>
                 <a:spcPts val="0"/>
@@ -14785,11 +14785,11 @@
                 <a:schemeClr val="dk1"/>
               </a:buClr>
               <a:buSzPts val="2800"/>
-              <a:buChar char="•"/>
+              <a:buNone/>
             </a:pPr>
             <a:r>
               <a:rPr lang="en-US"/>
-              <a:t>Check AMR gene frequency </a:t>
+              <a:t>ESKAPE pathogens = </a:t>
             </a:r>
             <a:endParaRPr/>
           </a:p>
@@ -14811,10 +14811,78 @@
               <a:buNone/>
             </a:pPr>
             <a:r>
-              <a:rPr lang="en-US"/>
-              <a:t>    for selected species (CARD)</a:t>
+              <a:t/>
             </a:r>
             <a:endParaRPr/>
+          </a:p>
+          <a:p>
+            <a:pPr indent="0" lvl="0" marL="0" rtl="0" algn="l">
+              <a:lnSpc>
+                <a:spcPct val="90000"/>
+              </a:lnSpc>
+              <a:spcBef>
+                <a:spcPts val="1000"/>
+              </a:spcBef>
+              <a:spcAft>
+                <a:spcPts val="0"/>
+              </a:spcAft>
+              <a:buClr>
+                <a:schemeClr val="dk1"/>
+              </a:buClr>
+              <a:buSzPts val="2800"/>
+              <a:buNone/>
+            </a:pPr>
+            <a:r>
+              <a:rPr lang="en-US"/>
+              <a:t>Enterobacter spp.</a:t>
+            </a:r>
+            <a:endParaRPr/>
+          </a:p>
+          <a:p>
+            <a:pPr indent="0" lvl="0" marL="0" rtl="0" algn="l">
+              <a:lnSpc>
+                <a:spcPct val="90000"/>
+              </a:lnSpc>
+              <a:spcBef>
+                <a:spcPts val="1000"/>
+              </a:spcBef>
+              <a:spcAft>
+                <a:spcPts val="0"/>
+              </a:spcAft>
+              <a:buClr>
+                <a:schemeClr val="dk1"/>
+              </a:buClr>
+              <a:buSzPts val="2800"/>
+              <a:buNone/>
+            </a:pPr>
+            <a:r>
+              <a:rPr i="1" lang="en-US"/>
+              <a:t>E. coli</a:t>
+            </a:r>
+            <a:endParaRPr i="1"/>
+          </a:p>
+          <a:p>
+            <a:pPr indent="0" lvl="0" marL="0" rtl="0" algn="l">
+              <a:lnSpc>
+                <a:spcPct val="90000"/>
+              </a:lnSpc>
+              <a:spcBef>
+                <a:spcPts val="1000"/>
+              </a:spcBef>
+              <a:spcAft>
+                <a:spcPts val="0"/>
+              </a:spcAft>
+              <a:buClr>
+                <a:schemeClr val="dk1"/>
+              </a:buClr>
+              <a:buSzPts val="2800"/>
+              <a:buNone/>
+            </a:pPr>
+            <a:r>
+              <a:rPr i="1" lang="en-US"/>
+              <a:t>K. pneumoniae</a:t>
+            </a:r>
+            <a:endParaRPr i="1"/>
           </a:p>
         </p:txBody>
       </p:sp>
@@ -14826,8 +14894,8 @@
         </p:nvSpPr>
         <p:spPr>
           <a:xfrm>
-            <a:off x="5992837" y="1497736"/>
-            <a:ext cx="4650889" cy="5232202"/>
+            <a:off x="5805462" y="1690711"/>
+            <a:ext cx="4650900" cy="5232300"/>
           </a:xfrm>
           <a:prstGeom prst="rect">
             <a:avLst/>
@@ -15633,7 +15701,7 @@
             </a:r>
             <a:r>
               <a:rPr lang="en-US"/>
-              <a:t> to generate </a:t>
+              <a:t> as test </a:t>
             </a:r>
             <a:endParaRPr/>
           </a:p>
